--- a/ppt/2019-11-18 Kubecon San Diego Workshop (1 DAY).pptx
+++ b/ppt/2019-11-18 Kubecon San Diego Workshop (1 DAY).pptx
@@ -1,6 +1,6 @@
 
 <file path=ppt/presentation.xml><?xml version="1.0" encoding="utf-8"?>
-<p:presentation xmlns:a="http://schemas.openxmlformats.org/drawingml/2006/main" xmlns:r="http://schemas.openxmlformats.org/officeDocument/2006/relationships" xmlns:mc="http://schemas.openxmlformats.org/markup-compatibility/2006" xmlns:mv="urn:schemas-microsoft-com:mac:vml" xmlns:p="http://schemas.openxmlformats.org/presentationml/2006/main" xmlns:c="http://schemas.openxmlformats.org/drawingml/2006/chart" xmlns:dgm="http://schemas.openxmlformats.org/drawingml/2006/diagram" xmlns:o="urn:schemas-microsoft-com:office:office" xmlns:v="urn:schemas-microsoft-com:vml" xmlns:pvml="urn:schemas-microsoft-com:office:powerpoint" xmlns:com="http://schemas.openxmlformats.org/drawingml/2006/compatibility" xmlns:p14="http://schemas.microsoft.com/office/powerpoint/2010/main" xmlns:p15="http://schemas.microsoft.com/office/powerpoint/2012/main" autoCompressPictures="0" strictFirstAndLastChars="0" saveSubsetFonts="1">
+<p:presentation xmlns:a="http://schemas.openxmlformats.org/drawingml/2006/main" xmlns:r="http://schemas.openxmlformats.org/officeDocument/2006/relationships" xmlns:mc="http://schemas.openxmlformats.org/markup-compatibility/2006" xmlns:mv="urn:schemas-microsoft-com:mac:vml" xmlns:p="http://schemas.openxmlformats.org/presentationml/2006/main" xmlns:c="http://schemas.openxmlformats.org/drawingml/2006/chart" xmlns:dgm="http://schemas.openxmlformats.org/drawingml/2006/diagram" xmlns:o="urn:schemas-microsoft-com:office:office" xmlns:v="urn:schemas-microsoft-com:vml" xmlns:pvml="urn:schemas-microsoft-com:office:powerpoint" xmlns:com="http://schemas.openxmlformats.org/drawingml/2006/compatibility" xmlns:p14="http://schemas.microsoft.com/office/powerpoint/2010/main" xmlns:p15="http://schemas.microsoft.com/office/powerpoint/2012/main" autoCompressPictures="0" embedTrueTypeFonts="1" strictFirstAndLastChars="0" saveSubsetFonts="1">
   <p:sldMasterIdLst>
     <p:sldMasterId id="2147483662" r:id="rId4"/>
   </p:sldMasterIdLst>
@@ -53,6 +53,27 @@
   </p:sldIdLst>
   <p:sldSz cy="5143500" cx="9144000"/>
   <p:notesSz cx="6858000" cy="9144000"/>
+  <p:embeddedFontLst>
+    <p:embeddedFont>
+      <p:font typeface="Caveat"/>
+      <p:regular r:id="rId48"/>
+      <p:bold r:id="rId49"/>
+    </p:embeddedFont>
+    <p:embeddedFont>
+      <p:font typeface="Proxima Nova"/>
+      <p:regular r:id="rId50"/>
+      <p:bold r:id="rId51"/>
+      <p:italic r:id="rId52"/>
+      <p:boldItalic r:id="rId53"/>
+    </p:embeddedFont>
+    <p:embeddedFont>
+      <p:font typeface="Montserrat"/>
+      <p:regular r:id="rId54"/>
+      <p:bold r:id="rId55"/>
+      <p:italic r:id="rId56"/>
+      <p:boldItalic r:id="rId57"/>
+    </p:embeddedFont>
+  </p:embeddedFontLst>
   <p:defaultTextStyle>
     <a:defPPr lvl="0" marR="0" rtl="0" algn="l">
       <a:lnSpc>
@@ -7489,8 +7510,8 @@
 </file>
 
 <file path=ppt/slideLayouts/slideLayout14.xml><?xml version="1.0" encoding="utf-8"?>
-<p:sldLayout xmlns:a="http://schemas.openxmlformats.org/drawingml/2006/main" xmlns:r="http://schemas.openxmlformats.org/officeDocument/2006/relationships" xmlns:mc="http://schemas.openxmlformats.org/markup-compatibility/2006" xmlns:mv="urn:schemas-microsoft-com:mac:vml" xmlns:p="http://schemas.openxmlformats.org/presentationml/2006/main" xmlns:c="http://schemas.openxmlformats.org/drawingml/2006/chart" xmlns:dgm="http://schemas.openxmlformats.org/drawingml/2006/diagram" xmlns:o="urn:schemas-microsoft-com:office:office" xmlns:v="urn:schemas-microsoft-com:vml" xmlns:pvml="urn:schemas-microsoft-com:office:powerpoint" xmlns:com="http://schemas.openxmlformats.org/drawingml/2006/compatibility" xmlns:p14="http://schemas.microsoft.com/office/powerpoint/2010/main" xmlns:p15="http://schemas.microsoft.com/office/powerpoint/2012/main" matchingName="BLANK_c46fd60e86691ea3">
-  <p:cSld name="BLANK_c46fd60e86691ea3">
+<p:sldLayout xmlns:a="http://schemas.openxmlformats.org/drawingml/2006/main" xmlns:r="http://schemas.openxmlformats.org/officeDocument/2006/relationships" xmlns:mc="http://schemas.openxmlformats.org/markup-compatibility/2006" xmlns:mv="urn:schemas-microsoft-com:mac:vml" xmlns:p="http://schemas.openxmlformats.org/presentationml/2006/main" xmlns:c="http://schemas.openxmlformats.org/drawingml/2006/chart" xmlns:dgm="http://schemas.openxmlformats.org/drawingml/2006/diagram" xmlns:o="urn:schemas-microsoft-com:office:office" xmlns:v="urn:schemas-microsoft-com:vml" xmlns:pvml="urn:schemas-microsoft-com:office:powerpoint" xmlns:com="http://schemas.openxmlformats.org/drawingml/2006/compatibility" xmlns:p14="http://schemas.microsoft.com/office/powerpoint/2010/main" xmlns:p15="http://schemas.microsoft.com/office/powerpoint/2012/main" matchingName="BLANK_e8487fe5bca10505">
+  <p:cSld name="BLANK_e8487fe5bca10505">
     <p:spTree>
       <p:nvGrpSpPr>
         <p:cNvPr id="57" name="Shape 57"/>
@@ -16794,7 +16815,7 @@
             <a:tbl>
               <a:tblPr>
                 <a:noFill/>
-                <a:tableStyleId>{AAA1A87C-EB5B-44B5-8632-7828B9547FCD}</a:tableStyleId>
+                <a:tableStyleId>{D47B7017-00A1-4540-B958-F5832C9121CC}</a:tableStyleId>
               </a:tblPr>
               <a:tblGrid>
                 <a:gridCol w="728325"/>
@@ -24019,7 +24040,7 @@
             <a:tbl>
               <a:tblPr>
                 <a:noFill/>
-                <a:tableStyleId>{B95BD7E8-66FF-4DFA-BAD0-CFC778717FB9}</a:tableStyleId>
+                <a:tableStyleId>{0DBABE2C-2A31-48B9-B1D6-69D240359C90}</a:tableStyleId>
               </a:tblPr>
               <a:tblGrid>
                 <a:gridCol w="1297625"/>
@@ -34433,7 +34454,7 @@
             <a:tbl>
               <a:tblPr>
                 <a:noFill/>
-                <a:tableStyleId>{AAA1A87C-EB5B-44B5-8632-7828B9547FCD}</a:tableStyleId>
+                <a:tableStyleId>{D47B7017-00A1-4540-B958-F5832C9121CC}</a:tableStyleId>
               </a:tblPr>
               <a:tblGrid>
                 <a:gridCol w="728325"/>
